--- a/1660 -DS_Hon_hw2/12235/示意圖.pptx
+++ b/1660 -DS_Hon_hw2/12235/示意圖.pptx
@@ -5,7 +5,7 @@
     <p:sldMasterId id="2147483648" r:id="rId1"/>
   </p:sldMasterIdLst>
   <p:notesMasterIdLst>
-    <p:notesMasterId r:id="rId9"/>
+    <p:notesMasterId r:id="rId10"/>
   </p:notesMasterIdLst>
   <p:sldIdLst>
     <p:sldId id="256" r:id="rId2"/>
@@ -15,6 +15,7 @@
     <p:sldId id="262" r:id="rId6"/>
     <p:sldId id="261" r:id="rId7"/>
     <p:sldId id="263" r:id="rId8"/>
+    <p:sldId id="264" r:id="rId9"/>
   </p:sldIdLst>
   <p:sldSz cx="12192000" cy="6858000"/>
   <p:notesSz cx="6858000" cy="9144000"/>
@@ -121,7 +122,7 @@
             <a:srgbClr val="A4A3A4"/>
           </p15:clr>
         </p15:guide>
-        <p15:guide id="2" pos="3840" userDrawn="1">
+        <p15:guide id="2" pos="1912" userDrawn="1">
           <p15:clr>
             <a:srgbClr val="A4A3A4"/>
           </p15:clr>
@@ -840,7 +841,11 @@
             </a:r>
             <a:r>
               <a:rPr lang="zh-CN" altLang="en-US" dirty="0"/>
-              <a:t>未拜訪鄰點</a:t>
+              <a:t>未拜訪鄰點，每個非葉子的點的值為周圍全部的點數值最小的</a:t>
+            </a:r>
+            <a:r>
+              <a:rPr lang="en-US" altLang="zh-CN" dirty="0"/>
+              <a:t>+1</a:t>
             </a:r>
             <a:endParaRPr lang="zh-TW" altLang="en-US" dirty="0"/>
           </a:p>
@@ -10054,13 +10059,15 @@
               </a:ext>
             </a:extLst>
           </p:cNvPr>
-          <p:cNvCxnSpPr/>
+          <p:cNvCxnSpPr>
+            <a:cxnSpLocks/>
+          </p:cNvCxnSpPr>
           <p:nvPr/>
         </p:nvCxnSpPr>
         <p:spPr>
           <a:xfrm flipV="1">
-            <a:off x="2939036" y="5805737"/>
-            <a:ext cx="373347" cy="373347"/>
+            <a:off x="1010615" y="5130513"/>
+            <a:ext cx="186673" cy="186674"/>
           </a:xfrm>
           <a:prstGeom prst="straightConnector1">
             <a:avLst/>
@@ -10089,20 +10096,22 @@
       </p:cxnSp>
       <p:cxnSp>
         <p:nvCxnSpPr>
-          <p:cNvPr id="8" name="直線單箭頭接點 7">
-            <a:extLst>
-              <a:ext uri="{FF2B5EF4-FFF2-40B4-BE49-F238E27FC236}">
-                <a16:creationId xmlns:a16="http://schemas.microsoft.com/office/drawing/2014/main" id="{D9235A42-952B-4E02-9253-4CBA95489544}"/>
-              </a:ext>
-            </a:extLst>
-          </p:cNvPr>
-          <p:cNvCxnSpPr/>
+          <p:cNvPr id="11" name="直線單箭頭接點 10">
+            <a:extLst>
+              <a:ext uri="{FF2B5EF4-FFF2-40B4-BE49-F238E27FC236}">
+                <a16:creationId xmlns:a16="http://schemas.microsoft.com/office/drawing/2014/main" id="{52CFF775-8082-43A7-8D57-5D1C149694B4}"/>
+              </a:ext>
+            </a:extLst>
+          </p:cNvPr>
+          <p:cNvCxnSpPr>
+            <a:cxnSpLocks/>
+          </p:cNvCxnSpPr>
           <p:nvPr/>
         </p:nvCxnSpPr>
         <p:spPr>
-          <a:xfrm flipV="1">
-            <a:off x="4021016" y="5376246"/>
-            <a:ext cx="373347" cy="373347"/>
+          <a:xfrm>
+            <a:off x="1054465" y="5536274"/>
+            <a:ext cx="281354" cy="272154"/>
           </a:xfrm>
           <a:prstGeom prst="straightConnector1">
             <a:avLst/>
@@ -10131,20 +10140,23 @@
       </p:cxnSp>
       <p:cxnSp>
         <p:nvCxnSpPr>
-          <p:cNvPr id="9" name="直線單箭頭接點 8">
-            <a:extLst>
-              <a:ext uri="{FF2B5EF4-FFF2-40B4-BE49-F238E27FC236}">
-                <a16:creationId xmlns:a16="http://schemas.microsoft.com/office/drawing/2014/main" id="{B8A972B4-9A15-451B-83C1-13E7689B53F3}"/>
-              </a:ext>
-            </a:extLst>
-          </p:cNvPr>
-          <p:cNvCxnSpPr/>
+          <p:cNvPr id="14" name="直線單箭頭接點 13">
+            <a:extLst>
+              <a:ext uri="{FF2B5EF4-FFF2-40B4-BE49-F238E27FC236}">
+                <a16:creationId xmlns:a16="http://schemas.microsoft.com/office/drawing/2014/main" id="{DAE6696F-3164-42A1-A4B8-0B3999858ADD}"/>
+              </a:ext>
+            </a:extLst>
+          </p:cNvPr>
+          <p:cNvCxnSpPr>
+            <a:cxnSpLocks/>
+            <a:stCxn id="4" idx="4"/>
+          </p:cNvCxnSpPr>
           <p:nvPr/>
         </p:nvCxnSpPr>
         <p:spPr>
-          <a:xfrm flipV="1">
-            <a:off x="4173416" y="5528646"/>
-            <a:ext cx="373347" cy="373347"/>
+          <a:xfrm>
+            <a:off x="929246" y="5605676"/>
+            <a:ext cx="11153" cy="202752"/>
           </a:xfrm>
           <a:prstGeom prst="straightConnector1">
             <a:avLst/>
@@ -10173,20 +10185,22 @@
       </p:cxnSp>
       <p:cxnSp>
         <p:nvCxnSpPr>
-          <p:cNvPr id="10" name="直線單箭頭接點 9">
-            <a:extLst>
-              <a:ext uri="{FF2B5EF4-FFF2-40B4-BE49-F238E27FC236}">
-                <a16:creationId xmlns:a16="http://schemas.microsoft.com/office/drawing/2014/main" id="{EF23A1D9-8952-4C8B-9970-4453D99799ED}"/>
-              </a:ext>
-            </a:extLst>
-          </p:cNvPr>
-          <p:cNvCxnSpPr/>
+          <p:cNvPr id="15" name="直線單箭頭接點 14">
+            <a:extLst>
+              <a:ext uri="{FF2B5EF4-FFF2-40B4-BE49-F238E27FC236}">
+                <a16:creationId xmlns:a16="http://schemas.microsoft.com/office/drawing/2014/main" id="{1923C67A-6709-4B70-973E-7B593FCE73FB}"/>
+              </a:ext>
+            </a:extLst>
+          </p:cNvPr>
+          <p:cNvCxnSpPr>
+            <a:cxnSpLocks/>
+          </p:cNvCxnSpPr>
           <p:nvPr/>
         </p:nvCxnSpPr>
         <p:spPr>
-          <a:xfrm flipV="1">
-            <a:off x="4325816" y="5681046"/>
-            <a:ext cx="373347" cy="373347"/>
+          <a:xfrm flipH="1">
+            <a:off x="537662" y="5536274"/>
+            <a:ext cx="235271" cy="272154"/>
           </a:xfrm>
           <a:prstGeom prst="straightConnector1">
             <a:avLst/>
@@ -10213,10 +10227,495 @@
           </a:fontRef>
         </p:style>
       </p:cxnSp>
+      <p:pic>
+        <p:nvPicPr>
+          <p:cNvPr id="19" name="圖片 18">
+            <a:extLst>
+              <a:ext uri="{FF2B5EF4-FFF2-40B4-BE49-F238E27FC236}">
+                <a16:creationId xmlns:a16="http://schemas.microsoft.com/office/drawing/2014/main" id="{AA5934DA-2990-4EF7-9F95-79F6AB7C6DA5}"/>
+              </a:ext>
+            </a:extLst>
+          </p:cNvPr>
+          <p:cNvPicPr>
+            <a:picLocks noChangeAspect="1"/>
+          </p:cNvPicPr>
+          <p:nvPr/>
+        </p:nvPicPr>
+        <p:blipFill>
+          <a:blip r:embed="rId4"/>
+          <a:stretch>
+            <a:fillRect/>
+          </a:stretch>
+        </p:blipFill>
+        <p:spPr>
+          <a:xfrm>
+            <a:off x="2719781" y="4429947"/>
+            <a:ext cx="2671746" cy="1774480"/>
+          </a:xfrm>
+          <a:prstGeom prst="rect">
+            <a:avLst/>
+          </a:prstGeom>
+        </p:spPr>
+      </p:pic>
+      <p:sp>
+        <p:nvSpPr>
+          <p:cNvPr id="20" name="橢圓 19">
+            <a:extLst>
+              <a:ext uri="{FF2B5EF4-FFF2-40B4-BE49-F238E27FC236}">
+                <a16:creationId xmlns:a16="http://schemas.microsoft.com/office/drawing/2014/main" id="{D0536A53-C7A2-4A77-9E4F-2BED3E52AA5F}"/>
+              </a:ext>
+            </a:extLst>
+          </p:cNvPr>
+          <p:cNvSpPr/>
+          <p:nvPr/>
+        </p:nvSpPr>
+        <p:spPr>
+          <a:xfrm>
+            <a:off x="3272684" y="5349600"/>
+            <a:ext cx="349413" cy="349413"/>
+          </a:xfrm>
+          <a:prstGeom prst="ellipse">
+            <a:avLst/>
+          </a:prstGeom>
+          <a:noFill/>
+          <a:ln w="38100">
+            <a:solidFill>
+              <a:srgbClr val="FF0000"/>
+            </a:solidFill>
+          </a:ln>
+        </p:spPr>
+        <p:style>
+          <a:lnRef idx="2">
+            <a:schemeClr val="accent1">
+              <a:shade val="50000"/>
+            </a:schemeClr>
+          </a:lnRef>
+          <a:fillRef idx="1">
+            <a:schemeClr val="accent1"/>
+          </a:fillRef>
+          <a:effectRef idx="0">
+            <a:schemeClr val="accent1"/>
+          </a:effectRef>
+          <a:fontRef idx="minor">
+            <a:schemeClr val="lt1"/>
+          </a:fontRef>
+        </p:style>
+        <p:txBody>
+          <a:bodyPr rtlCol="0" anchor="ctr"/>
+          <a:lstStyle/>
+          <a:p>
+            <a:pPr algn="ctr"/>
+            <a:endParaRPr lang="zh-TW" altLang="en-US"/>
+          </a:p>
+        </p:txBody>
+      </p:sp>
+      <p:cxnSp>
+        <p:nvCxnSpPr>
+          <p:cNvPr id="21" name="直線單箭頭接點 20">
+            <a:extLst>
+              <a:ext uri="{FF2B5EF4-FFF2-40B4-BE49-F238E27FC236}">
+                <a16:creationId xmlns:a16="http://schemas.microsoft.com/office/drawing/2014/main" id="{F005CA07-8FE2-4B9C-8311-76A404E01B38}"/>
+              </a:ext>
+            </a:extLst>
+          </p:cNvPr>
+          <p:cNvCxnSpPr>
+            <a:cxnSpLocks/>
+          </p:cNvCxnSpPr>
+          <p:nvPr/>
+        </p:nvCxnSpPr>
+        <p:spPr>
+          <a:xfrm flipV="1">
+            <a:off x="3528760" y="5223850"/>
+            <a:ext cx="186673" cy="186674"/>
+          </a:xfrm>
+          <a:prstGeom prst="straightConnector1">
+            <a:avLst/>
+          </a:prstGeom>
+          <a:ln w="28575">
+            <a:solidFill>
+              <a:srgbClr val="FF0000"/>
+            </a:solidFill>
+            <a:tailEnd type="triangle"/>
+          </a:ln>
+        </p:spPr>
+        <p:style>
+          <a:lnRef idx="1">
+            <a:schemeClr val="accent1"/>
+          </a:lnRef>
+          <a:fillRef idx="0">
+            <a:schemeClr val="accent1"/>
+          </a:fillRef>
+          <a:effectRef idx="0">
+            <a:schemeClr val="accent1"/>
+          </a:effectRef>
+          <a:fontRef idx="minor">
+            <a:schemeClr val="tx1"/>
+          </a:fontRef>
+        </p:style>
+      </p:cxnSp>
+      <p:cxnSp>
+        <p:nvCxnSpPr>
+          <p:cNvPr id="22" name="直線單箭頭接點 21">
+            <a:extLst>
+              <a:ext uri="{FF2B5EF4-FFF2-40B4-BE49-F238E27FC236}">
+                <a16:creationId xmlns:a16="http://schemas.microsoft.com/office/drawing/2014/main" id="{D3B59C76-0F73-40ED-8661-A68403FDDF93}"/>
+              </a:ext>
+            </a:extLst>
+          </p:cNvPr>
+          <p:cNvCxnSpPr>
+            <a:cxnSpLocks/>
+          </p:cNvCxnSpPr>
+          <p:nvPr/>
+        </p:nvCxnSpPr>
+        <p:spPr>
+          <a:xfrm>
+            <a:off x="3572610" y="5629611"/>
+            <a:ext cx="281354" cy="272154"/>
+          </a:xfrm>
+          <a:prstGeom prst="straightConnector1">
+            <a:avLst/>
+          </a:prstGeom>
+          <a:ln w="28575">
+            <a:solidFill>
+              <a:srgbClr val="FF0000"/>
+            </a:solidFill>
+            <a:tailEnd type="triangle"/>
+          </a:ln>
+        </p:spPr>
+        <p:style>
+          <a:lnRef idx="1">
+            <a:schemeClr val="accent1"/>
+          </a:lnRef>
+          <a:fillRef idx="0">
+            <a:schemeClr val="accent1"/>
+          </a:fillRef>
+          <a:effectRef idx="0">
+            <a:schemeClr val="accent1"/>
+          </a:effectRef>
+          <a:fontRef idx="minor">
+            <a:schemeClr val="tx1"/>
+          </a:fontRef>
+        </p:style>
+      </p:cxnSp>
+      <p:cxnSp>
+        <p:nvCxnSpPr>
+          <p:cNvPr id="23" name="直線單箭頭接點 22">
+            <a:extLst>
+              <a:ext uri="{FF2B5EF4-FFF2-40B4-BE49-F238E27FC236}">
+                <a16:creationId xmlns:a16="http://schemas.microsoft.com/office/drawing/2014/main" id="{0AFE89F7-FF8A-4C73-8D83-479DFA6BC9D5}"/>
+              </a:ext>
+            </a:extLst>
+          </p:cNvPr>
+          <p:cNvCxnSpPr>
+            <a:cxnSpLocks/>
+            <a:stCxn id="20" idx="4"/>
+          </p:cNvCxnSpPr>
+          <p:nvPr/>
+        </p:nvCxnSpPr>
+        <p:spPr>
+          <a:xfrm>
+            <a:off x="3447391" y="5699013"/>
+            <a:ext cx="11153" cy="202752"/>
+          </a:xfrm>
+          <a:prstGeom prst="straightConnector1">
+            <a:avLst/>
+          </a:prstGeom>
+          <a:ln w="28575">
+            <a:solidFill>
+              <a:srgbClr val="FF0000"/>
+            </a:solidFill>
+            <a:tailEnd type="triangle"/>
+          </a:ln>
+        </p:spPr>
+        <p:style>
+          <a:lnRef idx="1">
+            <a:schemeClr val="accent1"/>
+          </a:lnRef>
+          <a:fillRef idx="0">
+            <a:schemeClr val="accent1"/>
+          </a:fillRef>
+          <a:effectRef idx="0">
+            <a:schemeClr val="accent1"/>
+          </a:effectRef>
+          <a:fontRef idx="minor">
+            <a:schemeClr val="tx1"/>
+          </a:fontRef>
+        </p:style>
+      </p:cxnSp>
+      <p:cxnSp>
+        <p:nvCxnSpPr>
+          <p:cNvPr id="24" name="直線單箭頭接點 23">
+            <a:extLst>
+              <a:ext uri="{FF2B5EF4-FFF2-40B4-BE49-F238E27FC236}">
+                <a16:creationId xmlns:a16="http://schemas.microsoft.com/office/drawing/2014/main" id="{F1A34BF6-31CB-49C5-ACFB-12325BCDCD7F}"/>
+              </a:ext>
+            </a:extLst>
+          </p:cNvPr>
+          <p:cNvCxnSpPr>
+            <a:cxnSpLocks/>
+          </p:cNvCxnSpPr>
+          <p:nvPr/>
+        </p:nvCxnSpPr>
+        <p:spPr>
+          <a:xfrm flipH="1">
+            <a:off x="3055807" y="5629611"/>
+            <a:ext cx="235271" cy="272154"/>
+          </a:xfrm>
+          <a:prstGeom prst="straightConnector1">
+            <a:avLst/>
+          </a:prstGeom>
+          <a:ln w="28575">
+            <a:solidFill>
+              <a:srgbClr val="FF0000"/>
+            </a:solidFill>
+            <a:tailEnd type="triangle"/>
+          </a:ln>
+        </p:spPr>
+        <p:style>
+          <a:lnRef idx="1">
+            <a:schemeClr val="accent1"/>
+          </a:lnRef>
+          <a:fillRef idx="0">
+            <a:schemeClr val="accent1"/>
+          </a:fillRef>
+          <a:effectRef idx="0">
+            <a:schemeClr val="accent1"/>
+          </a:effectRef>
+          <a:fontRef idx="minor">
+            <a:schemeClr val="tx1"/>
+          </a:fontRef>
+        </p:style>
+      </p:cxnSp>
+      <p:sp>
+        <p:nvSpPr>
+          <p:cNvPr id="25" name="橢圓 24">
+            <a:extLst>
+              <a:ext uri="{FF2B5EF4-FFF2-40B4-BE49-F238E27FC236}">
+                <a16:creationId xmlns:a16="http://schemas.microsoft.com/office/drawing/2014/main" id="{1A381A63-94BE-4F16-BBE8-50A1A8FDA5CC}"/>
+              </a:ext>
+            </a:extLst>
+          </p:cNvPr>
+          <p:cNvSpPr/>
+          <p:nvPr/>
+        </p:nvSpPr>
+        <p:spPr>
+          <a:xfrm>
+            <a:off x="3635399" y="4944916"/>
+            <a:ext cx="349413" cy="349413"/>
+          </a:xfrm>
+          <a:prstGeom prst="ellipse">
+            <a:avLst/>
+          </a:prstGeom>
+          <a:noFill/>
+          <a:ln w="38100">
+            <a:solidFill>
+              <a:srgbClr val="FF0000"/>
+            </a:solidFill>
+          </a:ln>
+        </p:spPr>
+        <p:style>
+          <a:lnRef idx="2">
+            <a:schemeClr val="accent1">
+              <a:shade val="50000"/>
+            </a:schemeClr>
+          </a:lnRef>
+          <a:fillRef idx="1">
+            <a:schemeClr val="accent1"/>
+          </a:fillRef>
+          <a:effectRef idx="0">
+            <a:schemeClr val="accent1"/>
+          </a:effectRef>
+          <a:fontRef idx="minor">
+            <a:schemeClr val="lt1"/>
+          </a:fontRef>
+        </p:style>
+        <p:txBody>
+          <a:bodyPr rtlCol="0" anchor="ctr"/>
+          <a:lstStyle/>
+          <a:p>
+            <a:pPr algn="ctr"/>
+            <a:endParaRPr lang="zh-TW" altLang="en-US"/>
+          </a:p>
+        </p:txBody>
+      </p:sp>
+      <p:cxnSp>
+        <p:nvCxnSpPr>
+          <p:cNvPr id="26" name="直線單箭頭接點 25">
+            <a:extLst>
+              <a:ext uri="{FF2B5EF4-FFF2-40B4-BE49-F238E27FC236}">
+                <a16:creationId xmlns:a16="http://schemas.microsoft.com/office/drawing/2014/main" id="{DDB2610A-BABE-44C1-A14A-6D90FCD7B82C}"/>
+              </a:ext>
+            </a:extLst>
+          </p:cNvPr>
+          <p:cNvCxnSpPr>
+            <a:cxnSpLocks/>
+          </p:cNvCxnSpPr>
+          <p:nvPr/>
+        </p:nvCxnSpPr>
+        <p:spPr>
+          <a:xfrm flipV="1">
+            <a:off x="3914977" y="4828721"/>
+            <a:ext cx="342367" cy="116195"/>
+          </a:xfrm>
+          <a:prstGeom prst="straightConnector1">
+            <a:avLst/>
+          </a:prstGeom>
+          <a:ln w="28575">
+            <a:solidFill>
+              <a:srgbClr val="FF0000"/>
+            </a:solidFill>
+            <a:tailEnd type="triangle"/>
+          </a:ln>
+        </p:spPr>
+        <p:style>
+          <a:lnRef idx="1">
+            <a:schemeClr val="accent1"/>
+          </a:lnRef>
+          <a:fillRef idx="0">
+            <a:schemeClr val="accent1"/>
+          </a:fillRef>
+          <a:effectRef idx="0">
+            <a:schemeClr val="accent1"/>
+          </a:effectRef>
+          <a:fontRef idx="minor">
+            <a:schemeClr val="tx1"/>
+          </a:fontRef>
+        </p:style>
+      </p:cxnSp>
+      <p:pic>
+        <p:nvPicPr>
+          <p:cNvPr id="30" name="圖片 29">
+            <a:extLst>
+              <a:ext uri="{FF2B5EF4-FFF2-40B4-BE49-F238E27FC236}">
+                <a16:creationId xmlns:a16="http://schemas.microsoft.com/office/drawing/2014/main" id="{435FCEF0-29E2-434A-A9A2-4716F5BFE1D1}"/>
+              </a:ext>
+            </a:extLst>
+          </p:cNvPr>
+          <p:cNvPicPr>
+            <a:picLocks noChangeAspect="1"/>
+          </p:cNvPicPr>
+          <p:nvPr/>
+        </p:nvPicPr>
+        <p:blipFill>
+          <a:blip r:embed="rId5"/>
+          <a:stretch>
+            <a:fillRect/>
+          </a:stretch>
+        </p:blipFill>
+        <p:spPr>
+          <a:xfrm>
+            <a:off x="8210116" y="4061792"/>
+            <a:ext cx="3124200" cy="2162175"/>
+          </a:xfrm>
+          <a:prstGeom prst="rect">
+            <a:avLst/>
+          </a:prstGeom>
+        </p:spPr>
+      </p:pic>
+      <p:sp>
+        <p:nvSpPr>
+          <p:cNvPr id="31" name="文字方塊 30">
+            <a:extLst>
+              <a:ext uri="{FF2B5EF4-FFF2-40B4-BE49-F238E27FC236}">
+                <a16:creationId xmlns:a16="http://schemas.microsoft.com/office/drawing/2014/main" id="{936BAD6F-93C5-42BB-AA48-92C5B14555BD}"/>
+              </a:ext>
+            </a:extLst>
+          </p:cNvPr>
+          <p:cNvSpPr txBox="1"/>
+          <p:nvPr/>
+        </p:nvSpPr>
+        <p:spPr>
+          <a:xfrm>
+            <a:off x="6265989" y="5013387"/>
+            <a:ext cx="1296062" cy="369332"/>
+          </a:xfrm>
+          <a:prstGeom prst="rect">
+            <a:avLst/>
+          </a:prstGeom>
+          <a:noFill/>
+        </p:spPr>
+        <p:txBody>
+          <a:bodyPr wrap="square" rtlCol="0">
+            <a:spAutoFit/>
+          </a:bodyPr>
+          <a:lstStyle/>
+          <a:p>
+            <a:r>
+              <a:rPr lang="en-US" altLang="zh-TW" dirty="0"/>
+              <a:t>…</a:t>
+            </a:r>
+            <a:endParaRPr lang="zh-TW" altLang="en-US" dirty="0"/>
+          </a:p>
+        </p:txBody>
+      </p:sp>
     </p:spTree>
     <p:extLst>
       <p:ext uri="{BB962C8B-B14F-4D97-AF65-F5344CB8AC3E}">
         <p14:creationId xmlns:p14="http://schemas.microsoft.com/office/powerpoint/2010/main" val="62473961"/>
+      </p:ext>
+    </p:extLst>
+  </p:cSld>
+  <p:clrMapOvr>
+    <a:masterClrMapping/>
+  </p:clrMapOvr>
+</p:sld>
+</file>
+
+<file path=ppt/slides/slide8.xml><?xml version="1.0" encoding="utf-8"?>
+<p:sld xmlns:a="http://schemas.openxmlformats.org/drawingml/2006/main" xmlns:r="http://schemas.openxmlformats.org/officeDocument/2006/relationships" xmlns:p="http://schemas.openxmlformats.org/presentationml/2006/main">
+  <p:cSld>
+    <p:spTree>
+      <p:nvGrpSpPr>
+        <p:cNvPr id="1" name=""/>
+        <p:cNvGrpSpPr/>
+        <p:nvPr/>
+      </p:nvGrpSpPr>
+      <p:grpSpPr>
+        <a:xfrm>
+          <a:off x="0" y="0"/>
+          <a:ext cx="0" cy="0"/>
+          <a:chOff x="0" y="0"/>
+          <a:chExt cx="0" cy="0"/>
+        </a:xfrm>
+      </p:grpSpPr>
+      <p:pic>
+        <p:nvPicPr>
+          <p:cNvPr id="2" name="PA-图片 1">
+            <a:extLst>
+              <a:ext uri="{FF2B5EF4-FFF2-40B4-BE49-F238E27FC236}">
+                <a16:creationId xmlns:a16="http://schemas.microsoft.com/office/drawing/2014/main" id="{05E1F970-85DF-4E2F-B647-762D7D4F6B07}"/>
+              </a:ext>
+            </a:extLst>
+          </p:cNvPr>
+          <p:cNvPicPr>
+            <a:picLocks noChangeAspect="1"/>
+          </p:cNvPicPr>
+          <p:nvPr>
+            <p:custDataLst>
+              <p:tags r:id="rId1"/>
+            </p:custDataLst>
+          </p:nvPr>
+        </p:nvPicPr>
+        <p:blipFill>
+          <a:blip r:embed="rId3"/>
+          <a:stretch>
+            <a:fillRect/>
+          </a:stretch>
+        </p:blipFill>
+        <p:spPr>
+          <a:xfrm>
+            <a:off x="0" y="0"/>
+            <a:ext cx="8935571" cy="6858000"/>
+          </a:xfrm>
+          <a:prstGeom prst="rect">
+            <a:avLst/>
+          </a:prstGeom>
+        </p:spPr>
+      </p:pic>
+    </p:spTree>
+    <p:extLst>
+      <p:ext uri="{BB962C8B-B14F-4D97-AF65-F5344CB8AC3E}">
+        <p14:creationId xmlns:p14="http://schemas.microsoft.com/office/powerpoint/2010/main" val="1308132585"/>
       </p:ext>
     </p:extLst>
   </p:cSld>
@@ -10263,6 +10762,12 @@
 </file>
 
 <file path=ppt/tags/tag7.xml><?xml version="1.0" encoding="utf-8"?>
+<p:tagLst xmlns:a="http://schemas.openxmlformats.org/drawingml/2006/main" xmlns:r="http://schemas.openxmlformats.org/officeDocument/2006/relationships" xmlns:p="http://schemas.openxmlformats.org/presentationml/2006/main">
+  <p:tag name="PA" val="v5.2.5"/>
+</p:tagLst>
+</file>
+
+<file path=ppt/tags/tag8.xml><?xml version="1.0" encoding="utf-8"?>
 <p:tagLst xmlns:a="http://schemas.openxmlformats.org/drawingml/2006/main" xmlns:r="http://schemas.openxmlformats.org/officeDocument/2006/relationships" xmlns:p="http://schemas.openxmlformats.org/presentationml/2006/main">
   <p:tag name="PA" val="v5.2.5"/>
 </p:tagLst>
